--- a/SE495/Lectures/6-Integration Patterns and Frameworks/Integration Patterns and Frameworks.pptx
+++ b/SE495/Lectures/6-Integration Patterns and Frameworks/Integration Patterns and Frameworks.pptx
@@ -5,7 +5,7 @@
     <p:sldMasterId id="2147483648" r:id="rId1"/>
   </p:sldMasterIdLst>
   <p:notesMasterIdLst>
-    <p:notesMasterId r:id="rId54"/>
+    <p:notesMasterId r:id="rId60"/>
   </p:notesMasterIdLst>
   <p:sldIdLst>
     <p:sldId id="256" r:id="rId2"/>
@@ -42,13 +42,13 @@
     <p:sldId id="836" r:id="rId33"/>
     <p:sldId id="837" r:id="rId34"/>
     <p:sldId id="830" r:id="rId35"/>
-    <p:sldId id="849" r:id="rId36"/>
-    <p:sldId id="852" r:id="rId37"/>
-    <p:sldId id="851" r:id="rId38"/>
-    <p:sldId id="850" r:id="rId39"/>
-    <p:sldId id="854" r:id="rId40"/>
-    <p:sldId id="855" r:id="rId41"/>
-    <p:sldId id="856" r:id="rId42"/>
+    <p:sldId id="852" r:id="rId36"/>
+    <p:sldId id="851" r:id="rId37"/>
+    <p:sldId id="850" r:id="rId38"/>
+    <p:sldId id="854" r:id="rId39"/>
+    <p:sldId id="855" r:id="rId40"/>
+    <p:sldId id="856" r:id="rId41"/>
+    <p:sldId id="863" r:id="rId42"/>
     <p:sldId id="838" r:id="rId43"/>
     <p:sldId id="839" r:id="rId44"/>
     <p:sldId id="846" r:id="rId45"/>
@@ -60,6 +60,12 @@
     <p:sldId id="843" r:id="rId51"/>
     <p:sldId id="844" r:id="rId52"/>
     <p:sldId id="845" r:id="rId53"/>
+    <p:sldId id="858" r:id="rId54"/>
+    <p:sldId id="857" r:id="rId55"/>
+    <p:sldId id="859" r:id="rId56"/>
+    <p:sldId id="860" r:id="rId57"/>
+    <p:sldId id="861" r:id="rId58"/>
+    <p:sldId id="862" r:id="rId59"/>
   </p:sldIdLst>
   <p:sldSz cx="12192000" cy="6858000"/>
   <p:notesSz cx="6858000" cy="9144000"/>
@@ -248,7 +254,7 @@
           <a:p>
             <a:fld id="{41DA9887-9249-49FD-809A-BACB264048C3}" type="datetimeFigureOut">
               <a:rPr lang="en-US" smtClean="0"/>
-              <a:t>5/29/2023</a:t>
+              <a:t>6/4/2023</a:t>
             </a:fld>
             <a:endParaRPr lang="en-US"/>
           </a:p>
@@ -882,7 +888,7 @@
           <a:p>
             <a:fld id="{163AD851-1DFD-4B53-89AB-21F36F27E466}" type="datetime1">
               <a:rPr lang="en-US" smtClean="0"/>
-              <a:t>5/29/2023</a:t>
+              <a:t>6/4/2023</a:t>
             </a:fld>
             <a:endParaRPr lang="en-US"/>
           </a:p>
@@ -1172,7 +1178,7 @@
           <a:p>
             <a:fld id="{62298816-771B-4311-B939-9FE9F6D94E0D}" type="datetime1">
               <a:rPr lang="en-US" smtClean="0"/>
-              <a:t>5/29/2023</a:t>
+              <a:t>6/4/2023</a:t>
             </a:fld>
             <a:endParaRPr lang="en-US"/>
           </a:p>
@@ -1350,7 +1356,7 @@
           <a:p>
             <a:fld id="{03337FF9-EE1A-4B8B-AC91-B9C9CA51D135}" type="datetime1">
               <a:rPr lang="en-US" smtClean="0"/>
-              <a:t>5/29/2023</a:t>
+              <a:t>6/4/2023</a:t>
             </a:fld>
             <a:endParaRPr lang="en-US"/>
           </a:p>
@@ -1593,7 +1599,7 @@
             </a:pPr>
             <a:fld id="{2AA6AD6F-A85E-4A39-B2A2-2AC12D7E78BC}" type="datetime1">
               <a:rPr lang="en-US" smtClean="0"/>
-              <a:t>5/29/2023</a:t>
+              <a:t>6/4/2023</a:t>
             </a:fld>
             <a:endParaRPr lang="en-US"/>
           </a:p>
@@ -1773,7 +1779,7 @@
             </a:pPr>
             <a:fld id="{9C407146-38CC-46F8-A57F-FC93A1885918}" type="datetime1">
               <a:rPr lang="en-US" smtClean="0"/>
-              <a:t>5/29/2023</a:t>
+              <a:t>6/4/2023</a:t>
             </a:fld>
             <a:endParaRPr lang="en-US"/>
           </a:p>
@@ -2183,7 +2189,7 @@
           <a:p>
             <a:fld id="{48FD9BB0-972E-463E-83BB-8A542CD6F2D2}" type="datetime1">
               <a:rPr lang="en-US" smtClean="0"/>
-              <a:t>5/29/2023</a:t>
+              <a:t>6/4/2023</a:t>
             </a:fld>
             <a:endParaRPr lang="en-US"/>
           </a:p>
@@ -2527,7 +2533,7 @@
           <a:p>
             <a:fld id="{6062D40D-0AFF-4B07-85EC-01435232BA70}" type="datetime1">
               <a:rPr lang="en-US" smtClean="0"/>
-              <a:t>5/29/2023</a:t>
+              <a:t>6/4/2023</a:t>
             </a:fld>
             <a:endParaRPr lang="en-US"/>
           </a:p>
@@ -2756,7 +2762,7 @@
           <a:p>
             <a:fld id="{43EB9354-0074-4F4D-9D0C-A47720EC7804}" type="datetime1">
               <a:rPr lang="en-US" smtClean="0"/>
-              <a:t>5/29/2023</a:t>
+              <a:t>6/4/2023</a:t>
             </a:fld>
             <a:endParaRPr lang="en-US"/>
           </a:p>
@@ -3120,7 +3126,7 @@
           <a:p>
             <a:fld id="{B5C26419-23ED-400C-B35D-14F92A5CD4D5}" type="datetime1">
               <a:rPr lang="en-US" smtClean="0"/>
-              <a:t>5/29/2023</a:t>
+              <a:t>6/4/2023</a:t>
             </a:fld>
             <a:endParaRPr lang="en-US"/>
           </a:p>
@@ -3215,7 +3221,7 @@
           <a:p>
             <a:fld id="{1D0065BE-FEB4-4747-9F34-B65C18C68754}" type="datetime1">
               <a:rPr lang="en-US" smtClean="0"/>
-              <a:t>5/29/2023</a:t>
+              <a:t>6/4/2023</a:t>
             </a:fld>
             <a:endParaRPr lang="en-US"/>
           </a:p>
@@ -3437,7 +3443,7 @@
             <a:fld id="{B2F5E2FA-C428-4CE7-95B0-168D3259A5BB}" type="datetimeFigureOut">
               <a:rPr lang="en-US" smtClean="0"/>
               <a:pPr/>
-              <a:t>5/29/2023</a:t>
+              <a:t>6/4/2023</a:t>
             </a:fld>
             <a:endParaRPr lang="en-US"/>
           </a:p>
@@ -3608,7 +3614,7 @@
           <a:p>
             <a:fld id="{3CF74F24-C8CA-432A-99C1-AF947B713208}" type="datetime1">
               <a:rPr lang="en-US" smtClean="0"/>
-              <a:t>5/29/2023</a:t>
+              <a:t>6/4/2023</a:t>
             </a:fld>
             <a:endParaRPr lang="en-US"/>
           </a:p>
@@ -3883,7 +3889,7 @@
           <a:p>
             <a:fld id="{53DCCC21-B7A3-4482-BDF6-51C59A329067}" type="datetime1">
               <a:rPr lang="en-US" smtClean="0"/>
-              <a:t>5/29/2023</a:t>
+              <a:t>6/4/2023</a:t>
             </a:fld>
             <a:endParaRPr lang="en-US"/>
           </a:p>
@@ -4135,7 +4141,7 @@
           <a:p>
             <a:fld id="{EC671E02-55CE-4377-9748-9538BF22F9FF}" type="datetime1">
               <a:rPr lang="en-US" smtClean="0"/>
-              <a:t>5/29/2023</a:t>
+              <a:t>6/4/2023</a:t>
             </a:fld>
             <a:endParaRPr lang="en-US"/>
           </a:p>
@@ -4346,7 +4352,7 @@
           <a:p>
             <a:fld id="{D2A96F30-6CB4-4EDF-8CC0-0F7164C78496}" type="datetime1">
               <a:rPr lang="en-US" smtClean="0"/>
-              <a:t>5/29/2023</a:t>
+              <a:t>6/4/2023</a:t>
             </a:fld>
             <a:endParaRPr lang="en-US"/>
           </a:p>
@@ -6285,8 +6291,24 @@
             </a:r>
             <a:r>
               <a:rPr lang="en-US" dirty="0"/>
-              <a:t>framework selection</a:t>
-            </a:r>
+              <a:t>framework </a:t>
+            </a:r>
+            <a:r>
+              <a:rPr lang="en-US" dirty="0" smtClean="0"/>
+              <a:t>selection</a:t>
+            </a:r>
+          </a:p>
+          <a:p>
+            <a:pPr>
+              <a:lnSpc>
+                <a:spcPct val="100000"/>
+              </a:lnSpc>
+            </a:pPr>
+            <a:r>
+              <a:rPr lang="en-US" dirty="0" smtClean="0"/>
+              <a:t>Case Study</a:t>
+            </a:r>
+            <a:endParaRPr lang="en-US" dirty="0"/>
           </a:p>
         </p:txBody>
       </p:sp>
@@ -8505,7 +8527,6 @@
               <a:rPr lang="en-US" dirty="0"/>
               <a:t>Application integration patterns </a:t>
             </a:r>
-            <a:endParaRPr lang="en-US" dirty="0"/>
           </a:p>
         </p:txBody>
       </p:sp>
@@ -8539,7 +8560,6 @@
               <a:rPr lang="en-US" dirty="0"/>
               <a:t>patterns provide a framework for creating flexible, scalable, and maintainable integrations between different applications and systems, regardless of their technologies, platforms, or protocols.</a:t>
             </a:r>
-            <a:endParaRPr lang="en-US" dirty="0"/>
           </a:p>
         </p:txBody>
       </p:sp>
@@ -8634,7 +8654,37 @@
           <a:bodyPr/>
           <a:lstStyle/>
           <a:p>
-            <a:endParaRPr lang="en-US" dirty="0"/>
+            <a:r>
+              <a:rPr lang="en-US" dirty="0"/>
+              <a:t>Message </a:t>
+            </a:r>
+            <a:r>
+              <a:rPr lang="en-US" dirty="0" smtClean="0"/>
+              <a:t>Bus</a:t>
+            </a:r>
+          </a:p>
+          <a:p>
+            <a:pPr lvl="1"/>
+            <a:r>
+              <a:rPr lang="en-US" dirty="0" smtClean="0"/>
+              <a:t>This </a:t>
+            </a:r>
+            <a:r>
+              <a:rPr lang="en-US" dirty="0"/>
+              <a:t>pattern involves using a message broker to enable applications to communicate with each other via a shared message bus. </a:t>
+            </a:r>
+            <a:endParaRPr lang="en-US" dirty="0" smtClean="0"/>
+          </a:p>
+          <a:p>
+            <a:pPr lvl="1"/>
+            <a:r>
+              <a:rPr lang="en-US" dirty="0" smtClean="0"/>
+              <a:t>This </a:t>
+            </a:r>
+            <a:r>
+              <a:rPr lang="en-US" dirty="0"/>
+              <a:t>allows for asynchronous messaging, which can improve system performance and reliability.</a:t>
+            </a:r>
           </a:p>
         </p:txBody>
       </p:sp>
@@ -8657,131 +8707,6 @@
               <a:rPr lang="en-US" smtClean="0"/>
               <a:pPr/>
               <a:t>35</a:t>
-            </a:fld>
-            <a:endParaRPr lang="en-US" dirty="0"/>
-          </a:p>
-        </p:txBody>
-      </p:sp>
-    </p:spTree>
-    <p:extLst>
-      <p:ext uri="{BB962C8B-B14F-4D97-AF65-F5344CB8AC3E}">
-        <p14:creationId xmlns:p14="http://schemas.microsoft.com/office/powerpoint/2010/main" val="3192619339"/>
-      </p:ext>
-    </p:extLst>
-  </p:cSld>
-  <p:clrMapOvr>
-    <a:masterClrMapping/>
-  </p:clrMapOvr>
-</p:sld>
-</file>
-
-<file path=ppt/slides/slide36.xml><?xml version="1.0" encoding="utf-8"?>
-<p:sld xmlns:a="http://schemas.openxmlformats.org/drawingml/2006/main" xmlns:r="http://schemas.openxmlformats.org/officeDocument/2006/relationships" xmlns:p="http://schemas.openxmlformats.org/presentationml/2006/main">
-  <p:cSld>
-    <p:spTree>
-      <p:nvGrpSpPr>
-        <p:cNvPr id="1" name=""/>
-        <p:cNvGrpSpPr/>
-        <p:nvPr/>
-      </p:nvGrpSpPr>
-      <p:grpSpPr>
-        <a:xfrm>
-          <a:off x="0" y="0"/>
-          <a:ext cx="0" cy="0"/>
-          <a:chOff x="0" y="0"/>
-          <a:chExt cx="0" cy="0"/>
-        </a:xfrm>
-      </p:grpSpPr>
-      <p:sp>
-        <p:nvSpPr>
-          <p:cNvPr id="2" name="Title 1"/>
-          <p:cNvSpPr>
-            <a:spLocks noGrp="1"/>
-          </p:cNvSpPr>
-          <p:nvPr>
-            <p:ph type="title"/>
-          </p:nvPr>
-        </p:nvSpPr>
-        <p:spPr/>
-        <p:txBody>
-          <a:bodyPr/>
-          <a:lstStyle/>
-          <a:p>
-            <a:r>
-              <a:rPr lang="en-US" dirty="0"/>
-              <a:t>Application integration patterns </a:t>
-            </a:r>
-          </a:p>
-        </p:txBody>
-      </p:sp>
-      <p:sp>
-        <p:nvSpPr>
-          <p:cNvPr id="3" name="Content Placeholder 2"/>
-          <p:cNvSpPr>
-            <a:spLocks noGrp="1"/>
-          </p:cNvSpPr>
-          <p:nvPr>
-            <p:ph idx="1"/>
-          </p:nvPr>
-        </p:nvSpPr>
-        <p:spPr/>
-        <p:txBody>
-          <a:bodyPr/>
-          <a:lstStyle/>
-          <a:p>
-            <a:r>
-              <a:rPr lang="en-US" dirty="0"/>
-              <a:t>Message </a:t>
-            </a:r>
-            <a:r>
-              <a:rPr lang="en-US" dirty="0" smtClean="0"/>
-              <a:t>Bus</a:t>
-            </a:r>
-          </a:p>
-          <a:p>
-            <a:pPr lvl="1"/>
-            <a:r>
-              <a:rPr lang="en-US" dirty="0" smtClean="0"/>
-              <a:t>This </a:t>
-            </a:r>
-            <a:r>
-              <a:rPr lang="en-US" dirty="0"/>
-              <a:t>pattern involves using a message broker to enable applications to communicate with each other via a shared message bus. </a:t>
-            </a:r>
-            <a:endParaRPr lang="en-US" dirty="0" smtClean="0"/>
-          </a:p>
-          <a:p>
-            <a:pPr lvl="1"/>
-            <a:r>
-              <a:rPr lang="en-US" dirty="0" smtClean="0"/>
-              <a:t>This </a:t>
-            </a:r>
-            <a:r>
-              <a:rPr lang="en-US" dirty="0"/>
-              <a:t>allows for asynchronous messaging, which can improve system performance and reliability.</a:t>
-            </a:r>
-          </a:p>
-        </p:txBody>
-      </p:sp>
-      <p:sp>
-        <p:nvSpPr>
-          <p:cNvPr id="4" name="Slide Number Placeholder 3"/>
-          <p:cNvSpPr>
-            <a:spLocks noGrp="1"/>
-          </p:cNvSpPr>
-          <p:nvPr>
-            <p:ph type="sldNum" sz="quarter" idx="12"/>
-          </p:nvPr>
-        </p:nvSpPr>
-        <p:spPr/>
-        <p:txBody>
-          <a:bodyPr/>
-          <a:lstStyle/>
-          <a:p>
-            <a:fld id="{B8DACC02-A2BD-4578-8E03-6D891060A695}" type="slidenum">
-              <a:rPr lang="en-US" smtClean="0"/>
-              <a:pPr/>
-              <a:t>36</a:t>
             </a:fld>
             <a:endParaRPr lang="en-US" dirty="0"/>
           </a:p>
@@ -8839,7 +8764,7 @@
 </p:sld>
 </file>
 
-<file path=ppt/slides/slide37.xml><?xml version="1.0" encoding="utf-8"?>
+<file path=ppt/slides/slide36.xml><?xml version="1.0" encoding="utf-8"?>
 <p:sld xmlns:a="http://schemas.openxmlformats.org/drawingml/2006/main" xmlns:r="http://schemas.openxmlformats.org/officeDocument/2006/relationships" xmlns:p="http://schemas.openxmlformats.org/presentationml/2006/main">
   <p:cSld>
     <p:spTree>
@@ -8945,7 +8870,7 @@
             <a:fld id="{B8DACC02-A2BD-4578-8E03-6D891060A695}" type="slidenum">
               <a:rPr lang="en-US" smtClean="0"/>
               <a:pPr/>
-              <a:t>37</a:t>
+              <a:t>36</a:t>
             </a:fld>
             <a:endParaRPr lang="en-US" dirty="0"/>
           </a:p>
@@ -9005,7 +8930,7 @@
 </p:sld>
 </file>
 
-<file path=ppt/slides/slide38.xml><?xml version="1.0" encoding="utf-8"?>
+<file path=ppt/slides/slide37.xml><?xml version="1.0" encoding="utf-8"?>
 <p:sld xmlns:a="http://schemas.openxmlformats.org/drawingml/2006/main" xmlns:r="http://schemas.openxmlformats.org/officeDocument/2006/relationships" xmlns:p="http://schemas.openxmlformats.org/presentationml/2006/main">
   <p:cSld>
     <p:spTree>
@@ -9111,7 +9036,7 @@
             <a:fld id="{B8DACC02-A2BD-4578-8E03-6D891060A695}" type="slidenum">
               <a:rPr lang="en-US" smtClean="0"/>
               <a:pPr/>
-              <a:t>38</a:t>
+              <a:t>37</a:t>
             </a:fld>
             <a:endParaRPr lang="en-US" dirty="0"/>
           </a:p>
@@ -9171,7 +9096,7 @@
 </p:sld>
 </file>
 
-<file path=ppt/slides/slide39.xml><?xml version="1.0" encoding="utf-8"?>
+<file path=ppt/slides/slide38.xml><?xml version="1.0" encoding="utf-8"?>
 <p:sld xmlns:a="http://schemas.openxmlformats.org/drawingml/2006/main" xmlns:r="http://schemas.openxmlformats.org/officeDocument/2006/relationships" xmlns:p="http://schemas.openxmlformats.org/presentationml/2006/main">
   <p:cSld>
     <p:spTree>
@@ -9273,7 +9198,7 @@
             <a:fld id="{B8DACC02-A2BD-4578-8E03-6D891060A695}" type="slidenum">
               <a:rPr lang="en-US" smtClean="0"/>
               <a:pPr/>
-              <a:t>39</a:t>
+              <a:t>38</a:t>
             </a:fld>
             <a:endParaRPr lang="en-US" dirty="0"/>
           </a:p>
@@ -9328,6 +9253,177 @@
   <p:clrMapOvr>
     <a:masterClrMapping/>
   </p:clrMapOvr>
+</p:sld>
+</file>
+
+<file path=ppt/slides/slide39.xml><?xml version="1.0" encoding="utf-8"?>
+<p:sld xmlns:a="http://schemas.openxmlformats.org/drawingml/2006/main" xmlns:r="http://schemas.openxmlformats.org/officeDocument/2006/relationships" xmlns:p="http://schemas.openxmlformats.org/presentationml/2006/main">
+  <p:cSld>
+    <p:spTree>
+      <p:nvGrpSpPr>
+        <p:cNvPr id="1" name=""/>
+        <p:cNvGrpSpPr/>
+        <p:nvPr/>
+      </p:nvGrpSpPr>
+      <p:grpSpPr>
+        <a:xfrm>
+          <a:off x="0" y="0"/>
+          <a:ext cx="0" cy="0"/>
+          <a:chOff x="0" y="0"/>
+          <a:chExt cx="0" cy="0"/>
+        </a:xfrm>
+      </p:grpSpPr>
+      <p:sp>
+        <p:nvSpPr>
+          <p:cNvPr id="2" name="Title 1"/>
+          <p:cNvSpPr>
+            <a:spLocks noGrp="1"/>
+          </p:cNvSpPr>
+          <p:nvPr>
+            <p:ph type="title"/>
+          </p:nvPr>
+        </p:nvSpPr>
+        <p:spPr/>
+        <p:txBody>
+          <a:bodyPr/>
+          <a:lstStyle/>
+          <a:p>
+            <a:r>
+              <a:rPr lang="en-US" dirty="0"/>
+              <a:t>Application integration patterns </a:t>
+            </a:r>
+          </a:p>
+        </p:txBody>
+      </p:sp>
+      <p:sp>
+        <p:nvSpPr>
+          <p:cNvPr id="3" name="Content Placeholder 2"/>
+          <p:cNvSpPr>
+            <a:spLocks noGrp="1"/>
+          </p:cNvSpPr>
+          <p:nvPr>
+            <p:ph idx="1"/>
+          </p:nvPr>
+        </p:nvSpPr>
+        <p:spPr/>
+        <p:txBody>
+          <a:bodyPr/>
+          <a:lstStyle/>
+          <a:p>
+            <a:r>
+              <a:rPr lang="en-US" dirty="0"/>
+              <a:t>Remote Procedure Call (RPC</a:t>
+            </a:r>
+            <a:r>
+              <a:rPr lang="en-US" dirty="0" smtClean="0"/>
+              <a:t>)</a:t>
+            </a:r>
+          </a:p>
+          <a:p>
+            <a:pPr lvl="1"/>
+            <a:r>
+              <a:rPr lang="en-US" dirty="0" smtClean="0"/>
+              <a:t>This </a:t>
+            </a:r>
+            <a:r>
+              <a:rPr lang="en-US" dirty="0"/>
+              <a:t>pattern involves invoking a procedure or method on a remote application or system, as if it were a local function call. </a:t>
+            </a:r>
+            <a:endParaRPr lang="en-US" dirty="0" smtClean="0"/>
+          </a:p>
+          <a:p>
+            <a:pPr lvl="1"/>
+            <a:r>
+              <a:rPr lang="en-US" dirty="0" smtClean="0"/>
+              <a:t>This </a:t>
+            </a:r>
+            <a:r>
+              <a:rPr lang="en-US" dirty="0"/>
+              <a:t>enables applications to interact with each other as if they were running on the same machine, which can simplify integration and reduce complexity.</a:t>
+            </a:r>
+          </a:p>
+        </p:txBody>
+      </p:sp>
+      <p:sp>
+        <p:nvSpPr>
+          <p:cNvPr id="4" name="Slide Number Placeholder 3"/>
+          <p:cNvSpPr>
+            <a:spLocks noGrp="1"/>
+          </p:cNvSpPr>
+          <p:nvPr>
+            <p:ph type="sldNum" sz="quarter" idx="12"/>
+          </p:nvPr>
+        </p:nvSpPr>
+        <p:spPr/>
+        <p:txBody>
+          <a:bodyPr/>
+          <a:lstStyle/>
+          <a:p>
+            <a:fld id="{B8DACC02-A2BD-4578-8E03-6D891060A695}" type="slidenum">
+              <a:rPr lang="en-US" smtClean="0"/>
+              <a:pPr/>
+              <a:t>39</a:t>
+            </a:fld>
+            <a:endParaRPr lang="en-US" dirty="0"/>
+          </a:p>
+        </p:txBody>
+      </p:sp>
+      <p:pic>
+        <p:nvPicPr>
+          <p:cNvPr id="5122" name="Picture 2" descr="Remote Procedure Calls (RPC)"/>
+          <p:cNvPicPr>
+            <a:picLocks noChangeAspect="1" noChangeArrowheads="1"/>
+          </p:cNvPicPr>
+          <p:nvPr/>
+        </p:nvPicPr>
+        <p:blipFill rotWithShape="1">
+          <a:blip r:embed="rId2">
+            <a:extLst>
+              <a:ext uri="{28A0092B-C50C-407E-A947-70E740481C1C}">
+                <a14:useLocalDpi xmlns:a14="http://schemas.microsoft.com/office/drawing/2010/main" val="0"/>
+              </a:ext>
+            </a:extLst>
+          </a:blip>
+          <a:srcRect l="4172" t="26602" r="5332" b="8492"/>
+          <a:stretch/>
+        </p:blipFill>
+        <p:spPr bwMode="auto">
+          <a:xfrm>
+            <a:off x="2346385" y="2965529"/>
+            <a:ext cx="8709773" cy="3513873"/>
+          </a:xfrm>
+          <a:prstGeom prst="rect">
+            <a:avLst/>
+          </a:prstGeom>
+          <a:noFill/>
+          <a:extLst>
+            <a:ext uri="{909E8E84-426E-40DD-AFC4-6F175D3DCCD1}">
+              <a14:hiddenFill xmlns:a14="http://schemas.microsoft.com/office/drawing/2010/main">
+                <a:solidFill>
+                  <a:srgbClr val="FFFFFF"/>
+                </a:solidFill>
+              </a14:hiddenFill>
+            </a:ext>
+          </a:extLst>
+        </p:spPr>
+      </p:pic>
+    </p:spTree>
+    <p:extLst>
+      <p:ext uri="{BB962C8B-B14F-4D97-AF65-F5344CB8AC3E}">
+        <p14:creationId xmlns:p14="http://schemas.microsoft.com/office/powerpoint/2010/main" val="2791452315"/>
+      </p:ext>
+    </p:extLst>
+  </p:cSld>
+  <p:clrMapOvr>
+    <a:masterClrMapping/>
+  </p:clrMapOvr>
+  <p:timing>
+    <p:tnLst>
+      <p:par>
+        <p:cTn id="1" dur="indefinite" restart="never" nodeType="tmRoot"/>
+      </p:par>
+    </p:tnLst>
+  </p:timing>
 </p:sld>
 </file>
 
@@ -9679,7 +9775,7 @@
           <a:p>
             <a:r>
               <a:rPr lang="en-US" dirty="0"/>
-              <a:t>Remote Procedure Call (RPC</a:t>
+              <a:t>Enterprise Service Bus (ESB</a:t>
             </a:r>
             <a:r>
               <a:rPr lang="en-US" dirty="0" smtClean="0"/>
@@ -9694,7 +9790,7 @@
             </a:r>
             <a:r>
               <a:rPr lang="en-US" dirty="0"/>
-              <a:t>pattern involves invoking a procedure or method on a remote application or system, as if it were a local function call. </a:t>
+              <a:t>pattern involves using an intermediary service bus to manage the flow of data and messages between applications. </a:t>
             </a:r>
             <a:endParaRPr lang="en-US" dirty="0" smtClean="0"/>
           </a:p>
@@ -9702,11 +9798,11 @@
             <a:pPr lvl="1"/>
             <a:r>
               <a:rPr lang="en-US" dirty="0" smtClean="0"/>
-              <a:t>This </a:t>
-            </a:r>
-            <a:r>
-              <a:rPr lang="en-US" dirty="0"/>
-              <a:t>enables applications to interact with each other as if they were running on the same machine, which can simplify integration and reduce complexity.</a:t>
+              <a:t>The </a:t>
+            </a:r>
+            <a:r>
+              <a:rPr lang="en-US" dirty="0"/>
+              <a:t>ESB provides a centralized hub for routing, transformation, and mediation, which can simplify integration and improve scalability.</a:t>
             </a:r>
           </a:p>
         </p:txBody>
@@ -9730,177 +9826,6 @@
               <a:rPr lang="en-US" smtClean="0"/>
               <a:pPr/>
               <a:t>40</a:t>
-            </a:fld>
-            <a:endParaRPr lang="en-US" dirty="0"/>
-          </a:p>
-        </p:txBody>
-      </p:sp>
-      <p:pic>
-        <p:nvPicPr>
-          <p:cNvPr id="5122" name="Picture 2" descr="Remote Procedure Calls (RPC)"/>
-          <p:cNvPicPr>
-            <a:picLocks noChangeAspect="1" noChangeArrowheads="1"/>
-          </p:cNvPicPr>
-          <p:nvPr/>
-        </p:nvPicPr>
-        <p:blipFill rotWithShape="1">
-          <a:blip r:embed="rId2">
-            <a:extLst>
-              <a:ext uri="{28A0092B-C50C-407E-A947-70E740481C1C}">
-                <a14:useLocalDpi xmlns:a14="http://schemas.microsoft.com/office/drawing/2010/main" val="0"/>
-              </a:ext>
-            </a:extLst>
-          </a:blip>
-          <a:srcRect l="4172" t="26602" r="5332" b="8492"/>
-          <a:stretch/>
-        </p:blipFill>
-        <p:spPr bwMode="auto">
-          <a:xfrm>
-            <a:off x="2346385" y="2965529"/>
-            <a:ext cx="8709773" cy="3513873"/>
-          </a:xfrm>
-          <a:prstGeom prst="rect">
-            <a:avLst/>
-          </a:prstGeom>
-          <a:noFill/>
-          <a:extLst>
-            <a:ext uri="{909E8E84-426E-40DD-AFC4-6F175D3DCCD1}">
-              <a14:hiddenFill xmlns:a14="http://schemas.microsoft.com/office/drawing/2010/main">
-                <a:solidFill>
-                  <a:srgbClr val="FFFFFF"/>
-                </a:solidFill>
-              </a14:hiddenFill>
-            </a:ext>
-          </a:extLst>
-        </p:spPr>
-      </p:pic>
-    </p:spTree>
-    <p:extLst>
-      <p:ext uri="{BB962C8B-B14F-4D97-AF65-F5344CB8AC3E}">
-        <p14:creationId xmlns:p14="http://schemas.microsoft.com/office/powerpoint/2010/main" val="2791452315"/>
-      </p:ext>
-    </p:extLst>
-  </p:cSld>
-  <p:clrMapOvr>
-    <a:masterClrMapping/>
-  </p:clrMapOvr>
-  <p:timing>
-    <p:tnLst>
-      <p:par>
-        <p:cTn id="1" dur="indefinite" restart="never" nodeType="tmRoot"/>
-      </p:par>
-    </p:tnLst>
-  </p:timing>
-</p:sld>
-</file>
-
-<file path=ppt/slides/slide41.xml><?xml version="1.0" encoding="utf-8"?>
-<p:sld xmlns:a="http://schemas.openxmlformats.org/drawingml/2006/main" xmlns:r="http://schemas.openxmlformats.org/officeDocument/2006/relationships" xmlns:p="http://schemas.openxmlformats.org/presentationml/2006/main">
-  <p:cSld>
-    <p:spTree>
-      <p:nvGrpSpPr>
-        <p:cNvPr id="1" name=""/>
-        <p:cNvGrpSpPr/>
-        <p:nvPr/>
-      </p:nvGrpSpPr>
-      <p:grpSpPr>
-        <a:xfrm>
-          <a:off x="0" y="0"/>
-          <a:ext cx="0" cy="0"/>
-          <a:chOff x="0" y="0"/>
-          <a:chExt cx="0" cy="0"/>
-        </a:xfrm>
-      </p:grpSpPr>
-      <p:sp>
-        <p:nvSpPr>
-          <p:cNvPr id="2" name="Title 1"/>
-          <p:cNvSpPr>
-            <a:spLocks noGrp="1"/>
-          </p:cNvSpPr>
-          <p:nvPr>
-            <p:ph type="title"/>
-          </p:nvPr>
-        </p:nvSpPr>
-        <p:spPr/>
-        <p:txBody>
-          <a:bodyPr/>
-          <a:lstStyle/>
-          <a:p>
-            <a:r>
-              <a:rPr lang="en-US" dirty="0"/>
-              <a:t>Application integration patterns </a:t>
-            </a:r>
-          </a:p>
-        </p:txBody>
-      </p:sp>
-      <p:sp>
-        <p:nvSpPr>
-          <p:cNvPr id="3" name="Content Placeholder 2"/>
-          <p:cNvSpPr>
-            <a:spLocks noGrp="1"/>
-          </p:cNvSpPr>
-          <p:nvPr>
-            <p:ph idx="1"/>
-          </p:nvPr>
-        </p:nvSpPr>
-        <p:spPr/>
-        <p:txBody>
-          <a:bodyPr/>
-          <a:lstStyle/>
-          <a:p>
-            <a:r>
-              <a:rPr lang="en-US" dirty="0"/>
-              <a:t>Enterprise Service Bus (ESB</a:t>
-            </a:r>
-            <a:r>
-              <a:rPr lang="en-US" dirty="0" smtClean="0"/>
-              <a:t>)</a:t>
-            </a:r>
-          </a:p>
-          <a:p>
-            <a:pPr lvl="1"/>
-            <a:r>
-              <a:rPr lang="en-US" dirty="0" smtClean="0"/>
-              <a:t>This </a:t>
-            </a:r>
-            <a:r>
-              <a:rPr lang="en-US" dirty="0"/>
-              <a:t>pattern involves using an intermediary service bus to manage the flow of data and messages between applications. </a:t>
-            </a:r>
-            <a:endParaRPr lang="en-US" dirty="0" smtClean="0"/>
-          </a:p>
-          <a:p>
-            <a:pPr lvl="1"/>
-            <a:r>
-              <a:rPr lang="en-US" dirty="0" smtClean="0"/>
-              <a:t>The </a:t>
-            </a:r>
-            <a:r>
-              <a:rPr lang="en-US" dirty="0"/>
-              <a:t>ESB provides a centralized hub for routing, transformation, and mediation, which can simplify integration and improve scalability.</a:t>
-            </a:r>
-          </a:p>
-        </p:txBody>
-      </p:sp>
-      <p:sp>
-        <p:nvSpPr>
-          <p:cNvPr id="4" name="Slide Number Placeholder 3"/>
-          <p:cNvSpPr>
-            <a:spLocks noGrp="1"/>
-          </p:cNvSpPr>
-          <p:nvPr>
-            <p:ph type="sldNum" sz="quarter" idx="12"/>
-          </p:nvPr>
-        </p:nvSpPr>
-        <p:spPr/>
-        <p:txBody>
-          <a:bodyPr/>
-          <a:lstStyle/>
-          <a:p>
-            <a:fld id="{B8DACC02-A2BD-4578-8E03-6D891060A695}" type="slidenum">
-              <a:rPr lang="en-US" smtClean="0"/>
-              <a:pPr/>
-              <a:t>41</a:t>
             </a:fld>
             <a:endParaRPr lang="en-US" dirty="0"/>
           </a:p>
@@ -9967,6 +9892,166 @@
 </p:sld>
 </file>
 
+<file path=ppt/slides/slide41.xml><?xml version="1.0" encoding="utf-8"?>
+<p:sld xmlns:a="http://schemas.openxmlformats.org/drawingml/2006/main" xmlns:r="http://schemas.openxmlformats.org/officeDocument/2006/relationships" xmlns:p="http://schemas.openxmlformats.org/presentationml/2006/main">
+  <p:cSld>
+    <p:spTree>
+      <p:nvGrpSpPr>
+        <p:cNvPr id="1" name=""/>
+        <p:cNvGrpSpPr/>
+        <p:nvPr/>
+      </p:nvGrpSpPr>
+      <p:grpSpPr>
+        <a:xfrm>
+          <a:off x="0" y="0"/>
+          <a:ext cx="0" cy="0"/>
+          <a:chOff x="0" y="0"/>
+          <a:chExt cx="0" cy="0"/>
+        </a:xfrm>
+      </p:grpSpPr>
+      <p:sp>
+        <p:nvSpPr>
+          <p:cNvPr id="2" name="Title 1"/>
+          <p:cNvSpPr>
+            <a:spLocks noGrp="1"/>
+          </p:cNvSpPr>
+          <p:nvPr>
+            <p:ph type="title"/>
+          </p:nvPr>
+        </p:nvSpPr>
+        <p:spPr/>
+        <p:txBody>
+          <a:bodyPr/>
+          <a:lstStyle/>
+          <a:p>
+            <a:r>
+              <a:rPr lang="en-US" dirty="0"/>
+              <a:t>Application integration </a:t>
+            </a:r>
+            <a:r>
+              <a:rPr lang="en-US" dirty="0" smtClean="0"/>
+              <a:t>patterns</a:t>
+            </a:r>
+            <a:endParaRPr lang="en-US" dirty="0"/>
+          </a:p>
+        </p:txBody>
+      </p:sp>
+      <p:sp>
+        <p:nvSpPr>
+          <p:cNvPr id="3" name="Content Placeholder 2"/>
+          <p:cNvSpPr>
+            <a:spLocks noGrp="1"/>
+          </p:cNvSpPr>
+          <p:nvPr>
+            <p:ph idx="1"/>
+          </p:nvPr>
+        </p:nvSpPr>
+        <p:spPr/>
+        <p:txBody>
+          <a:bodyPr/>
+          <a:lstStyle/>
+          <a:p>
+            <a:r>
+              <a:rPr lang="en-US" dirty="0"/>
+              <a:t>Event-driven architecture (EDA</a:t>
+            </a:r>
+            <a:r>
+              <a:rPr lang="en-US" dirty="0" smtClean="0"/>
+              <a:t>)</a:t>
+            </a:r>
+          </a:p>
+          <a:p>
+            <a:pPr lvl="1"/>
+            <a:r>
+              <a:rPr lang="en-US" dirty="0" smtClean="0"/>
+              <a:t>EDA </a:t>
+            </a:r>
+            <a:r>
+              <a:rPr lang="en-US" dirty="0"/>
+              <a:t>is a design approach that focuses on the flow of events between applications. </a:t>
+            </a:r>
+            <a:endParaRPr lang="en-US" dirty="0" smtClean="0"/>
+          </a:p>
+          <a:p>
+            <a:pPr lvl="1"/>
+            <a:r>
+              <a:rPr lang="en-US" dirty="0" smtClean="0"/>
+              <a:t>Events </a:t>
+            </a:r>
+            <a:r>
+              <a:rPr lang="en-US" dirty="0"/>
+              <a:t>are notifications that something has happened, such as a customer placing an order or a product being shipped.</a:t>
+            </a:r>
+          </a:p>
+        </p:txBody>
+      </p:sp>
+      <p:sp>
+        <p:nvSpPr>
+          <p:cNvPr id="4" name="Slide Number Placeholder 3"/>
+          <p:cNvSpPr>
+            <a:spLocks noGrp="1"/>
+          </p:cNvSpPr>
+          <p:nvPr>
+            <p:ph type="sldNum" sz="quarter" idx="12"/>
+          </p:nvPr>
+        </p:nvSpPr>
+        <p:spPr/>
+        <p:txBody>
+          <a:bodyPr/>
+          <a:lstStyle/>
+          <a:p>
+            <a:fld id="{B8DACC02-A2BD-4578-8E03-6D891060A695}" type="slidenum">
+              <a:rPr lang="en-US" smtClean="0"/>
+              <a:pPr/>
+              <a:t>41</a:t>
+            </a:fld>
+            <a:endParaRPr lang="en-US" dirty="0"/>
+          </a:p>
+        </p:txBody>
+      </p:sp>
+      <p:pic>
+        <p:nvPicPr>
+          <p:cNvPr id="8" name="Picture 7"/>
+          <p:cNvPicPr>
+            <a:picLocks noChangeAspect="1"/>
+          </p:cNvPicPr>
+          <p:nvPr/>
+        </p:nvPicPr>
+        <p:blipFill>
+          <a:blip r:embed="rId2">
+            <a:extLst>
+              <a:ext uri="{28A0092B-C50C-407E-A947-70E740481C1C}">
+                <a14:useLocalDpi xmlns:a14="http://schemas.microsoft.com/office/drawing/2010/main" val="0"/>
+              </a:ext>
+            </a:extLst>
+          </a:blip>
+          <a:stretch>
+            <a:fillRect/>
+          </a:stretch>
+        </p:blipFill>
+        <p:spPr>
+          <a:xfrm>
+            <a:off x="4882551" y="2661184"/>
+            <a:ext cx="6415534" cy="3804745"/>
+          </a:xfrm>
+          <a:prstGeom prst="rect">
+            <a:avLst/>
+          </a:prstGeom>
+        </p:spPr>
+      </p:pic>
+    </p:spTree>
+    <p:extLst>
+      <p:ext uri="{BB962C8B-B14F-4D97-AF65-F5344CB8AC3E}">
+        <p14:creationId xmlns:p14="http://schemas.microsoft.com/office/powerpoint/2010/main" val="1473076747"/>
+      </p:ext>
+    </p:extLst>
+  </p:cSld>
+  <p:clrMapOvr>
+    <a:masterClrMapping/>
+  </p:clrMapOvr>
+</p:sld>
+</file>
+
 <file path=ppt/slides/slide42.xml><?xml version="1.0" encoding="utf-8"?>
 <p:sld xmlns:a="http://schemas.openxmlformats.org/drawingml/2006/main" xmlns:r="http://schemas.openxmlformats.org/officeDocument/2006/relationships" xmlns:p="http://schemas.openxmlformats.org/presentationml/2006/main">
   <p:cSld>
@@ -11632,6 +11717,846 @@
     <p:extLst>
       <p:ext uri="{BB962C8B-B14F-4D97-AF65-F5344CB8AC3E}">
         <p14:creationId xmlns:p14="http://schemas.microsoft.com/office/powerpoint/2010/main" val="2403719079"/>
+      </p:ext>
+    </p:extLst>
+  </p:cSld>
+  <p:clrMapOvr>
+    <a:masterClrMapping/>
+  </p:clrMapOvr>
+</p:sld>
+</file>
+
+<file path=ppt/slides/slide53.xml><?xml version="1.0" encoding="utf-8"?>
+<p:sld xmlns:a="http://schemas.openxmlformats.org/drawingml/2006/main" xmlns:r="http://schemas.openxmlformats.org/officeDocument/2006/relationships" xmlns:p="http://schemas.openxmlformats.org/presentationml/2006/main">
+  <p:cSld>
+    <p:spTree>
+      <p:nvGrpSpPr>
+        <p:cNvPr id="1" name=""/>
+        <p:cNvGrpSpPr/>
+        <p:nvPr/>
+      </p:nvGrpSpPr>
+      <p:grpSpPr>
+        <a:xfrm>
+          <a:off x="0" y="0"/>
+          <a:ext cx="0" cy="0"/>
+          <a:chOff x="0" y="0"/>
+          <a:chExt cx="0" cy="0"/>
+        </a:xfrm>
+      </p:grpSpPr>
+      <p:sp>
+        <p:nvSpPr>
+          <p:cNvPr id="5" name="Title 4"/>
+          <p:cNvSpPr>
+            <a:spLocks noGrp="1"/>
+          </p:cNvSpPr>
+          <p:nvPr>
+            <p:ph type="title"/>
+          </p:nvPr>
+        </p:nvSpPr>
+        <p:spPr/>
+        <p:txBody>
+          <a:bodyPr/>
+          <a:lstStyle/>
+          <a:p>
+            <a:r>
+              <a:rPr lang="en-US" dirty="0" smtClean="0"/>
+              <a:t>Case Study</a:t>
+            </a:r>
+            <a:endParaRPr lang="en-US" dirty="0"/>
+          </a:p>
+        </p:txBody>
+      </p:sp>
+      <p:sp>
+        <p:nvSpPr>
+          <p:cNvPr id="6" name="Text Placeholder 5"/>
+          <p:cNvSpPr>
+            <a:spLocks noGrp="1"/>
+          </p:cNvSpPr>
+          <p:nvPr>
+            <p:ph type="body" idx="1"/>
+          </p:nvPr>
+        </p:nvSpPr>
+        <p:spPr/>
+        <p:txBody>
+          <a:bodyPr/>
+          <a:lstStyle/>
+          <a:p>
+            <a:endParaRPr lang="en-US"/>
+          </a:p>
+        </p:txBody>
+      </p:sp>
+      <p:sp>
+        <p:nvSpPr>
+          <p:cNvPr id="4" name="Slide Number Placeholder 3"/>
+          <p:cNvSpPr>
+            <a:spLocks noGrp="1"/>
+          </p:cNvSpPr>
+          <p:nvPr>
+            <p:ph type="sldNum" sz="quarter" idx="12"/>
+          </p:nvPr>
+        </p:nvSpPr>
+        <p:spPr/>
+        <p:txBody>
+          <a:bodyPr/>
+          <a:lstStyle/>
+          <a:p>
+            <a:fld id="{B8DACC02-A2BD-4578-8E03-6D891060A695}" type="slidenum">
+              <a:rPr lang="en-US" smtClean="0"/>
+              <a:pPr/>
+              <a:t>53</a:t>
+            </a:fld>
+            <a:endParaRPr lang="en-US" dirty="0"/>
+          </a:p>
+        </p:txBody>
+      </p:sp>
+    </p:spTree>
+    <p:extLst>
+      <p:ext uri="{BB962C8B-B14F-4D97-AF65-F5344CB8AC3E}">
+        <p14:creationId xmlns:p14="http://schemas.microsoft.com/office/powerpoint/2010/main" val="2792460484"/>
+      </p:ext>
+    </p:extLst>
+  </p:cSld>
+  <p:clrMapOvr>
+    <a:masterClrMapping/>
+  </p:clrMapOvr>
+</p:sld>
+</file>
+
+<file path=ppt/slides/slide54.xml><?xml version="1.0" encoding="utf-8"?>
+<p:sld xmlns:a="http://schemas.openxmlformats.org/drawingml/2006/main" xmlns:r="http://schemas.openxmlformats.org/officeDocument/2006/relationships" xmlns:p="http://schemas.openxmlformats.org/presentationml/2006/main">
+  <p:cSld>
+    <p:spTree>
+      <p:nvGrpSpPr>
+        <p:cNvPr id="1" name=""/>
+        <p:cNvGrpSpPr/>
+        <p:nvPr/>
+      </p:nvGrpSpPr>
+      <p:grpSpPr>
+        <a:xfrm>
+          <a:off x="0" y="0"/>
+          <a:ext cx="0" cy="0"/>
+          <a:chOff x="0" y="0"/>
+          <a:chExt cx="0" cy="0"/>
+        </a:xfrm>
+      </p:grpSpPr>
+      <p:sp>
+        <p:nvSpPr>
+          <p:cNvPr id="2" name="Title 1"/>
+          <p:cNvSpPr>
+            <a:spLocks noGrp="1"/>
+          </p:cNvSpPr>
+          <p:nvPr>
+            <p:ph type="title"/>
+          </p:nvPr>
+        </p:nvSpPr>
+        <p:spPr/>
+        <p:txBody>
+          <a:bodyPr/>
+          <a:lstStyle/>
+          <a:p>
+            <a:r>
+              <a:rPr lang="en-US" dirty="0"/>
+              <a:t>ACME </a:t>
+            </a:r>
+            <a:r>
+              <a:rPr lang="en-US" dirty="0" smtClean="0"/>
+              <a:t>Retail</a:t>
+            </a:r>
+            <a:endParaRPr lang="en-US" dirty="0"/>
+          </a:p>
+        </p:txBody>
+      </p:sp>
+      <p:sp>
+        <p:nvSpPr>
+          <p:cNvPr id="3" name="Content Placeholder 2"/>
+          <p:cNvSpPr>
+            <a:spLocks noGrp="1"/>
+          </p:cNvSpPr>
+          <p:nvPr>
+            <p:ph idx="1"/>
+          </p:nvPr>
+        </p:nvSpPr>
+        <p:spPr/>
+        <p:txBody>
+          <a:bodyPr/>
+          <a:lstStyle/>
+          <a:p>
+            <a:r>
+              <a:rPr lang="en-US" dirty="0"/>
+              <a:t>A large retail company, ACME Retail, has a complex IT landscape with many disparate systems. </a:t>
+            </a:r>
+            <a:endParaRPr lang="en-US" dirty="0" smtClean="0"/>
+          </a:p>
+          <a:p>
+            <a:r>
+              <a:rPr lang="en-US" dirty="0" smtClean="0"/>
+              <a:t>They </a:t>
+            </a:r>
+            <a:r>
+              <a:rPr lang="en-US" dirty="0"/>
+              <a:t>have:</a:t>
+            </a:r>
+          </a:p>
+          <a:p>
+            <a:pPr lvl="1"/>
+            <a:r>
+              <a:rPr lang="en-US" dirty="0" smtClean="0"/>
+              <a:t>An </a:t>
+            </a:r>
+            <a:r>
+              <a:rPr lang="en-US" dirty="0"/>
+              <a:t>ERP system for managing their backend business processes like </a:t>
+            </a:r>
+            <a:r>
+              <a:rPr lang="en-US" dirty="0" smtClean="0"/>
+              <a:t>finance</a:t>
+            </a:r>
+            <a:r>
+              <a:rPr lang="en-US" dirty="0"/>
+              <a:t>, HR, supply chain, etc.</a:t>
+            </a:r>
+          </a:p>
+          <a:p>
+            <a:pPr lvl="1"/>
+            <a:r>
+              <a:rPr lang="en-US" dirty="0" smtClean="0"/>
+              <a:t>A </a:t>
+            </a:r>
+            <a:r>
+              <a:rPr lang="en-US" dirty="0"/>
+              <a:t>CRM system for managing customer relationships and sales.</a:t>
+            </a:r>
+          </a:p>
+          <a:p>
+            <a:pPr lvl="1"/>
+            <a:r>
+              <a:rPr lang="en-US" dirty="0" smtClean="0"/>
+              <a:t>A </a:t>
+            </a:r>
+            <a:r>
+              <a:rPr lang="en-US" dirty="0"/>
+              <a:t>legacy inventory management system.</a:t>
+            </a:r>
+          </a:p>
+          <a:p>
+            <a:pPr lvl="1"/>
+            <a:r>
+              <a:rPr lang="en-US" dirty="0" smtClean="0"/>
+              <a:t>Multiple </a:t>
+            </a:r>
+            <a:r>
+              <a:rPr lang="en-US" dirty="0"/>
+              <a:t>ecommerce portals for online sales.</a:t>
+            </a:r>
+          </a:p>
+          <a:p>
+            <a:pPr lvl="1"/>
+            <a:r>
+              <a:rPr lang="en-US" dirty="0" smtClean="0"/>
+              <a:t>Many </a:t>
+            </a:r>
+            <a:r>
+              <a:rPr lang="en-US" dirty="0"/>
+              <a:t>standalone reporting and analytics tools.</a:t>
+            </a:r>
+          </a:p>
+          <a:p>
+            <a:endParaRPr lang="en-US" dirty="0"/>
+          </a:p>
+        </p:txBody>
+      </p:sp>
+      <p:sp>
+        <p:nvSpPr>
+          <p:cNvPr id="4" name="Slide Number Placeholder 3"/>
+          <p:cNvSpPr>
+            <a:spLocks noGrp="1"/>
+          </p:cNvSpPr>
+          <p:nvPr>
+            <p:ph type="sldNum" sz="quarter" idx="12"/>
+          </p:nvPr>
+        </p:nvSpPr>
+        <p:spPr/>
+        <p:txBody>
+          <a:bodyPr/>
+          <a:lstStyle/>
+          <a:p>
+            <a:fld id="{B8DACC02-A2BD-4578-8E03-6D891060A695}" type="slidenum">
+              <a:rPr lang="en-US" smtClean="0"/>
+              <a:pPr/>
+              <a:t>54</a:t>
+            </a:fld>
+            <a:endParaRPr lang="en-US" dirty="0"/>
+          </a:p>
+        </p:txBody>
+      </p:sp>
+    </p:spTree>
+    <p:extLst>
+      <p:ext uri="{BB962C8B-B14F-4D97-AF65-F5344CB8AC3E}">
+        <p14:creationId xmlns:p14="http://schemas.microsoft.com/office/powerpoint/2010/main" val="1691869757"/>
+      </p:ext>
+    </p:extLst>
+  </p:cSld>
+  <p:clrMapOvr>
+    <a:masterClrMapping/>
+  </p:clrMapOvr>
+</p:sld>
+</file>
+
+<file path=ppt/slides/slide55.xml><?xml version="1.0" encoding="utf-8"?>
+<p:sld xmlns:a="http://schemas.openxmlformats.org/drawingml/2006/main" xmlns:r="http://schemas.openxmlformats.org/officeDocument/2006/relationships" xmlns:p="http://schemas.openxmlformats.org/presentationml/2006/main">
+  <p:cSld>
+    <p:spTree>
+      <p:nvGrpSpPr>
+        <p:cNvPr id="1" name=""/>
+        <p:cNvGrpSpPr/>
+        <p:nvPr/>
+      </p:nvGrpSpPr>
+      <p:grpSpPr>
+        <a:xfrm>
+          <a:off x="0" y="0"/>
+          <a:ext cx="0" cy="0"/>
+          <a:chOff x="0" y="0"/>
+          <a:chExt cx="0" cy="0"/>
+        </a:xfrm>
+      </p:grpSpPr>
+      <p:sp>
+        <p:nvSpPr>
+          <p:cNvPr id="2" name="Title 1"/>
+          <p:cNvSpPr>
+            <a:spLocks noGrp="1"/>
+          </p:cNvSpPr>
+          <p:nvPr>
+            <p:ph type="title"/>
+          </p:nvPr>
+        </p:nvSpPr>
+        <p:spPr/>
+        <p:txBody>
+          <a:bodyPr/>
+          <a:lstStyle/>
+          <a:p>
+            <a:r>
+              <a:rPr lang="en-US" dirty="0"/>
+              <a:t>ACME </a:t>
+            </a:r>
+            <a:r>
+              <a:rPr lang="en-US" dirty="0" smtClean="0"/>
+              <a:t>Retail</a:t>
+            </a:r>
+            <a:endParaRPr lang="en-US" dirty="0"/>
+          </a:p>
+        </p:txBody>
+      </p:sp>
+      <p:sp>
+        <p:nvSpPr>
+          <p:cNvPr id="3" name="Content Placeholder 2"/>
+          <p:cNvSpPr>
+            <a:spLocks noGrp="1"/>
+          </p:cNvSpPr>
+          <p:nvPr>
+            <p:ph idx="1"/>
+          </p:nvPr>
+        </p:nvSpPr>
+        <p:spPr/>
+        <p:txBody>
+          <a:bodyPr/>
+          <a:lstStyle/>
+          <a:p>
+            <a:r>
+              <a:rPr lang="en-US" dirty="0"/>
+              <a:t>ACME wants to integrate these systems to have a single view of their business and customers. </a:t>
+            </a:r>
+            <a:endParaRPr lang="en-US" dirty="0" smtClean="0"/>
+          </a:p>
+          <a:p>
+            <a:r>
+              <a:rPr lang="en-US" dirty="0" smtClean="0"/>
+              <a:t>They </a:t>
+            </a:r>
+            <a:r>
+              <a:rPr lang="en-US" dirty="0"/>
+              <a:t>decide to implement an integration framework to orchestrate the integration between these systems.</a:t>
+            </a:r>
+          </a:p>
+          <a:p>
+            <a:r>
+              <a:rPr lang="en-US" dirty="0" smtClean="0"/>
+              <a:t>For </a:t>
+            </a:r>
+            <a:r>
+              <a:rPr lang="en-US" dirty="0"/>
+              <a:t>backend process integration between the ERP and legacy systems, they use the enterprise integration pattern (EIP) of message router. </a:t>
+            </a:r>
+            <a:endParaRPr lang="en-US" dirty="0" smtClean="0"/>
+          </a:p>
+          <a:p>
+            <a:r>
+              <a:rPr lang="en-US" dirty="0" smtClean="0"/>
+              <a:t>The </a:t>
+            </a:r>
+            <a:r>
+              <a:rPr lang="en-US" dirty="0"/>
+              <a:t>ERP and inventory management systems exchange business documents (like purchase orders) asynchronously through a message broker like </a:t>
+            </a:r>
+            <a:r>
+              <a:rPr lang="en-US" dirty="0" err="1"/>
+              <a:t>RabbitMQ</a:t>
+            </a:r>
+            <a:r>
+              <a:rPr lang="en-US" dirty="0"/>
+              <a:t>. </a:t>
+            </a:r>
+            <a:endParaRPr lang="en-US" dirty="0" smtClean="0"/>
+          </a:p>
+          <a:p>
+            <a:r>
+              <a:rPr lang="en-US" dirty="0" smtClean="0"/>
+              <a:t>The </a:t>
+            </a:r>
+            <a:r>
+              <a:rPr lang="en-US" dirty="0"/>
+              <a:t>message broker then routes the messages to the correct destination system.</a:t>
+            </a:r>
+          </a:p>
+        </p:txBody>
+      </p:sp>
+      <p:sp>
+        <p:nvSpPr>
+          <p:cNvPr id="4" name="Slide Number Placeholder 3"/>
+          <p:cNvSpPr>
+            <a:spLocks noGrp="1"/>
+          </p:cNvSpPr>
+          <p:nvPr>
+            <p:ph type="sldNum" sz="quarter" idx="12"/>
+          </p:nvPr>
+        </p:nvSpPr>
+        <p:spPr/>
+        <p:txBody>
+          <a:bodyPr/>
+          <a:lstStyle/>
+          <a:p>
+            <a:fld id="{B8DACC02-A2BD-4578-8E03-6D891060A695}" type="slidenum">
+              <a:rPr lang="en-US" smtClean="0"/>
+              <a:pPr/>
+              <a:t>55</a:t>
+            </a:fld>
+            <a:endParaRPr lang="en-US" dirty="0"/>
+          </a:p>
+        </p:txBody>
+      </p:sp>
+    </p:spTree>
+    <p:extLst>
+      <p:ext uri="{BB962C8B-B14F-4D97-AF65-F5344CB8AC3E}">
+        <p14:creationId xmlns:p14="http://schemas.microsoft.com/office/powerpoint/2010/main" val="2816514747"/>
+      </p:ext>
+    </p:extLst>
+  </p:cSld>
+  <p:clrMapOvr>
+    <a:masterClrMapping/>
+  </p:clrMapOvr>
+</p:sld>
+</file>
+
+<file path=ppt/slides/slide56.xml><?xml version="1.0" encoding="utf-8"?>
+<p:sld xmlns:a="http://schemas.openxmlformats.org/drawingml/2006/main" xmlns:r="http://schemas.openxmlformats.org/officeDocument/2006/relationships" xmlns:p="http://schemas.openxmlformats.org/presentationml/2006/main">
+  <p:cSld>
+    <p:spTree>
+      <p:nvGrpSpPr>
+        <p:cNvPr id="1" name=""/>
+        <p:cNvGrpSpPr/>
+        <p:nvPr/>
+      </p:nvGrpSpPr>
+      <p:grpSpPr>
+        <a:xfrm>
+          <a:off x="0" y="0"/>
+          <a:ext cx="0" cy="0"/>
+          <a:chOff x="0" y="0"/>
+          <a:chExt cx="0" cy="0"/>
+        </a:xfrm>
+      </p:grpSpPr>
+      <p:sp>
+        <p:nvSpPr>
+          <p:cNvPr id="2" name="Title 1"/>
+          <p:cNvSpPr>
+            <a:spLocks noGrp="1"/>
+          </p:cNvSpPr>
+          <p:nvPr>
+            <p:ph type="title"/>
+          </p:nvPr>
+        </p:nvSpPr>
+        <p:spPr/>
+        <p:txBody>
+          <a:bodyPr/>
+          <a:lstStyle/>
+          <a:p>
+            <a:r>
+              <a:rPr lang="en-US" dirty="0"/>
+              <a:t>ACME </a:t>
+            </a:r>
+            <a:r>
+              <a:rPr lang="en-US" dirty="0" smtClean="0"/>
+              <a:t>Retail</a:t>
+            </a:r>
+            <a:endParaRPr lang="en-US" dirty="0"/>
+          </a:p>
+        </p:txBody>
+      </p:sp>
+      <p:sp>
+        <p:nvSpPr>
+          <p:cNvPr id="3" name="Content Placeholder 2"/>
+          <p:cNvSpPr>
+            <a:spLocks noGrp="1"/>
+          </p:cNvSpPr>
+          <p:nvPr>
+            <p:ph idx="1"/>
+          </p:nvPr>
+        </p:nvSpPr>
+        <p:spPr/>
+        <p:txBody>
+          <a:bodyPr>
+            <a:normAutofit/>
+          </a:bodyPr>
+          <a:lstStyle/>
+          <a:p>
+            <a:r>
+              <a:rPr lang="en-US" dirty="0"/>
+              <a:t>For customer data integration between the CRM and ecommerce systems, they use the data integration pattern of data replication. </a:t>
+            </a:r>
+            <a:endParaRPr lang="en-US" dirty="0" smtClean="0"/>
+          </a:p>
+          <a:p>
+            <a:r>
+              <a:rPr lang="en-US" dirty="0" smtClean="0"/>
+              <a:t>A </a:t>
+            </a:r>
+            <a:r>
+              <a:rPr lang="en-US" dirty="0"/>
+              <a:t>data integration tool like </a:t>
+            </a:r>
+            <a:r>
+              <a:rPr lang="en-US" dirty="0" err="1"/>
+              <a:t>Talend</a:t>
+            </a:r>
+            <a:r>
+              <a:rPr lang="en-US" dirty="0"/>
+              <a:t> pulls customer data from the CRM, transforms it to the target schema of the ecommerce systems, and loads it into the ecommerce databases. </a:t>
+            </a:r>
+            <a:endParaRPr lang="en-US" dirty="0" smtClean="0"/>
+          </a:p>
+          <a:p>
+            <a:r>
+              <a:rPr lang="en-US" dirty="0" smtClean="0"/>
+              <a:t>This </a:t>
+            </a:r>
+            <a:r>
+              <a:rPr lang="en-US" dirty="0"/>
+              <a:t>keeps customer data in sync across systems.</a:t>
+            </a:r>
+          </a:p>
+          <a:p>
+            <a:endParaRPr lang="en-US" dirty="0"/>
+          </a:p>
+        </p:txBody>
+      </p:sp>
+      <p:sp>
+        <p:nvSpPr>
+          <p:cNvPr id="4" name="Slide Number Placeholder 3"/>
+          <p:cNvSpPr>
+            <a:spLocks noGrp="1"/>
+          </p:cNvSpPr>
+          <p:nvPr>
+            <p:ph type="sldNum" sz="quarter" idx="12"/>
+          </p:nvPr>
+        </p:nvSpPr>
+        <p:spPr/>
+        <p:txBody>
+          <a:bodyPr/>
+          <a:lstStyle/>
+          <a:p>
+            <a:fld id="{B8DACC02-A2BD-4578-8E03-6D891060A695}" type="slidenum">
+              <a:rPr lang="en-US" smtClean="0"/>
+              <a:pPr/>
+              <a:t>56</a:t>
+            </a:fld>
+            <a:endParaRPr lang="en-US" dirty="0"/>
+          </a:p>
+        </p:txBody>
+      </p:sp>
+    </p:spTree>
+    <p:extLst>
+      <p:ext uri="{BB962C8B-B14F-4D97-AF65-F5344CB8AC3E}">
+        <p14:creationId xmlns:p14="http://schemas.microsoft.com/office/powerpoint/2010/main" val="1242226996"/>
+      </p:ext>
+    </p:extLst>
+  </p:cSld>
+  <p:clrMapOvr>
+    <a:masterClrMapping/>
+  </p:clrMapOvr>
+</p:sld>
+</file>
+
+<file path=ppt/slides/slide57.xml><?xml version="1.0" encoding="utf-8"?>
+<p:sld xmlns:a="http://schemas.openxmlformats.org/drawingml/2006/main" xmlns:r="http://schemas.openxmlformats.org/officeDocument/2006/relationships" xmlns:p="http://schemas.openxmlformats.org/presentationml/2006/main">
+  <p:cSld>
+    <p:spTree>
+      <p:nvGrpSpPr>
+        <p:cNvPr id="1" name=""/>
+        <p:cNvGrpSpPr/>
+        <p:nvPr/>
+      </p:nvGrpSpPr>
+      <p:grpSpPr>
+        <a:xfrm>
+          <a:off x="0" y="0"/>
+          <a:ext cx="0" cy="0"/>
+          <a:chOff x="0" y="0"/>
+          <a:chExt cx="0" cy="0"/>
+        </a:xfrm>
+      </p:grpSpPr>
+      <p:sp>
+        <p:nvSpPr>
+          <p:cNvPr id="2" name="Title 1"/>
+          <p:cNvSpPr>
+            <a:spLocks noGrp="1"/>
+          </p:cNvSpPr>
+          <p:nvPr>
+            <p:ph type="title"/>
+          </p:nvPr>
+        </p:nvSpPr>
+        <p:spPr/>
+        <p:txBody>
+          <a:bodyPr/>
+          <a:lstStyle/>
+          <a:p>
+            <a:r>
+              <a:rPr lang="en-US" dirty="0"/>
+              <a:t>ACME </a:t>
+            </a:r>
+            <a:r>
+              <a:rPr lang="en-US" dirty="0" smtClean="0"/>
+              <a:t>Retail</a:t>
+            </a:r>
+            <a:endParaRPr lang="en-US" dirty="0"/>
+          </a:p>
+        </p:txBody>
+      </p:sp>
+      <p:sp>
+        <p:nvSpPr>
+          <p:cNvPr id="3" name="Content Placeholder 2"/>
+          <p:cNvSpPr>
+            <a:spLocks noGrp="1"/>
+          </p:cNvSpPr>
+          <p:nvPr>
+            <p:ph idx="1"/>
+          </p:nvPr>
+        </p:nvSpPr>
+        <p:spPr/>
+        <p:txBody>
+          <a:bodyPr/>
+          <a:lstStyle/>
+          <a:p>
+            <a:r>
+              <a:rPr lang="en-US" dirty="0"/>
+              <a:t>For exposing some of the ERP and CRM functionality to the ecommerce portals, they use the application integration pattern of API gateway. </a:t>
+            </a:r>
+            <a:endParaRPr lang="en-US" dirty="0" smtClean="0"/>
+          </a:p>
+          <a:p>
+            <a:r>
+              <a:rPr lang="en-US" dirty="0" smtClean="0"/>
+              <a:t>They </a:t>
+            </a:r>
+            <a:r>
+              <a:rPr lang="en-US" dirty="0"/>
+              <a:t>build a REST API gateway that exposes API endpoints for search, checkout, order management, payment processing, etc. </a:t>
+            </a:r>
+            <a:endParaRPr lang="en-US" dirty="0" smtClean="0"/>
+          </a:p>
+          <a:p>
+            <a:r>
+              <a:rPr lang="en-US" dirty="0" smtClean="0"/>
+              <a:t>The </a:t>
+            </a:r>
+            <a:r>
+              <a:rPr lang="en-US" dirty="0"/>
+              <a:t>API gateway then invokes the backend ERP and CRM systems to execute the requests and return the responses.</a:t>
+            </a:r>
+          </a:p>
+          <a:p>
+            <a:endParaRPr lang="en-US" dirty="0"/>
+          </a:p>
+        </p:txBody>
+      </p:sp>
+      <p:sp>
+        <p:nvSpPr>
+          <p:cNvPr id="4" name="Slide Number Placeholder 3"/>
+          <p:cNvSpPr>
+            <a:spLocks noGrp="1"/>
+          </p:cNvSpPr>
+          <p:nvPr>
+            <p:ph type="sldNum" sz="quarter" idx="12"/>
+          </p:nvPr>
+        </p:nvSpPr>
+        <p:spPr/>
+        <p:txBody>
+          <a:bodyPr/>
+          <a:lstStyle/>
+          <a:p>
+            <a:fld id="{B8DACC02-A2BD-4578-8E03-6D891060A695}" type="slidenum">
+              <a:rPr lang="en-US" smtClean="0"/>
+              <a:pPr/>
+              <a:t>57</a:t>
+            </a:fld>
+            <a:endParaRPr lang="en-US" dirty="0"/>
+          </a:p>
+        </p:txBody>
+      </p:sp>
+    </p:spTree>
+    <p:extLst>
+      <p:ext uri="{BB962C8B-B14F-4D97-AF65-F5344CB8AC3E}">
+        <p14:creationId xmlns:p14="http://schemas.microsoft.com/office/powerpoint/2010/main" val="3929919259"/>
+      </p:ext>
+    </p:extLst>
+  </p:cSld>
+  <p:clrMapOvr>
+    <a:masterClrMapping/>
+  </p:clrMapOvr>
+</p:sld>
+</file>
+
+<file path=ppt/slides/slide58.xml><?xml version="1.0" encoding="utf-8"?>
+<p:sld xmlns:a="http://schemas.openxmlformats.org/drawingml/2006/main" xmlns:r="http://schemas.openxmlformats.org/officeDocument/2006/relationships" xmlns:p="http://schemas.openxmlformats.org/presentationml/2006/main">
+  <p:cSld>
+    <p:spTree>
+      <p:nvGrpSpPr>
+        <p:cNvPr id="1" name=""/>
+        <p:cNvGrpSpPr/>
+        <p:nvPr/>
+      </p:nvGrpSpPr>
+      <p:grpSpPr>
+        <a:xfrm>
+          <a:off x="0" y="0"/>
+          <a:ext cx="0" cy="0"/>
+          <a:chOff x="0" y="0"/>
+          <a:chExt cx="0" cy="0"/>
+        </a:xfrm>
+      </p:grpSpPr>
+      <p:sp>
+        <p:nvSpPr>
+          <p:cNvPr id="2" name="Title 1"/>
+          <p:cNvSpPr>
+            <a:spLocks noGrp="1"/>
+          </p:cNvSpPr>
+          <p:nvPr>
+            <p:ph type="title"/>
+          </p:nvPr>
+        </p:nvSpPr>
+        <p:spPr/>
+        <p:txBody>
+          <a:bodyPr/>
+          <a:lstStyle/>
+          <a:p>
+            <a:r>
+              <a:rPr lang="en-US" dirty="0"/>
+              <a:t>ACME </a:t>
+            </a:r>
+            <a:r>
+              <a:rPr lang="en-US" dirty="0" smtClean="0"/>
+              <a:t>Retail</a:t>
+            </a:r>
+            <a:endParaRPr lang="en-US" dirty="0"/>
+          </a:p>
+        </p:txBody>
+      </p:sp>
+      <p:sp>
+        <p:nvSpPr>
+          <p:cNvPr id="3" name="Content Placeholder 2"/>
+          <p:cNvSpPr>
+            <a:spLocks noGrp="1"/>
+          </p:cNvSpPr>
+          <p:nvPr>
+            <p:ph idx="1"/>
+          </p:nvPr>
+        </p:nvSpPr>
+        <p:spPr/>
+        <p:txBody>
+          <a:bodyPr/>
+          <a:lstStyle/>
+          <a:p>
+            <a:r>
+              <a:rPr lang="en-US" dirty="0"/>
+              <a:t>After evaluating options, ACME chooses Dell </a:t>
+            </a:r>
+            <a:r>
+              <a:rPr lang="en-US" dirty="0" err="1"/>
+              <a:t>Boomi</a:t>
+            </a:r>
+            <a:r>
+              <a:rPr lang="en-US" dirty="0"/>
+              <a:t> as their integration framework. </a:t>
+            </a:r>
+            <a:endParaRPr lang="en-US" dirty="0" smtClean="0"/>
+          </a:p>
+          <a:p>
+            <a:r>
+              <a:rPr lang="en-US" dirty="0" smtClean="0"/>
+              <a:t>It </a:t>
+            </a:r>
+            <a:r>
+              <a:rPr lang="en-US" dirty="0"/>
+              <a:t>supports all the integration patterns they need through pre-built connectors and components </a:t>
+            </a:r>
+            <a:r>
+              <a:rPr lang="en-US" dirty="0" smtClean="0"/>
+              <a:t>like message </a:t>
+            </a:r>
+            <a:r>
+              <a:rPr lang="en-US" dirty="0"/>
+              <a:t>queues, data replication tools, and an API gateway. </a:t>
+            </a:r>
+            <a:endParaRPr lang="en-US" dirty="0" smtClean="0"/>
+          </a:p>
+          <a:p>
+            <a:r>
+              <a:rPr lang="en-US" dirty="0" smtClean="0"/>
+              <a:t>The </a:t>
+            </a:r>
+            <a:r>
+              <a:rPr lang="en-US" dirty="0"/>
+              <a:t>integration framework helps them manage, monitor, and scale the complex integrations across their enterprise.</a:t>
+            </a:r>
+          </a:p>
+          <a:p>
+            <a:endParaRPr lang="en-US" dirty="0"/>
+          </a:p>
+        </p:txBody>
+      </p:sp>
+      <p:sp>
+        <p:nvSpPr>
+          <p:cNvPr id="4" name="Slide Number Placeholder 3"/>
+          <p:cNvSpPr>
+            <a:spLocks noGrp="1"/>
+          </p:cNvSpPr>
+          <p:nvPr>
+            <p:ph type="sldNum" sz="quarter" idx="12"/>
+          </p:nvPr>
+        </p:nvSpPr>
+        <p:spPr/>
+        <p:txBody>
+          <a:bodyPr/>
+          <a:lstStyle/>
+          <a:p>
+            <a:fld id="{B8DACC02-A2BD-4578-8E03-6D891060A695}" type="slidenum">
+              <a:rPr lang="en-US" smtClean="0"/>
+              <a:pPr/>
+              <a:t>58</a:t>
+            </a:fld>
+            <a:endParaRPr lang="en-US" dirty="0"/>
+          </a:p>
+        </p:txBody>
+      </p:sp>
+    </p:spTree>
+    <p:extLst>
+      <p:ext uri="{BB962C8B-B14F-4D97-AF65-F5344CB8AC3E}">
+        <p14:creationId xmlns:p14="http://schemas.microsoft.com/office/powerpoint/2010/main" val="2598698878"/>
       </p:ext>
     </p:extLst>
   </p:cSld>
